--- a/Documents/Capstone_design_proposal_team6_Week_2.pptx
+++ b/Documents/Capstone_design_proposal_team6_Week_2.pptx
@@ -5,7 +5,7 @@
     <p:sldMasterId id="2147483672" r:id="rId1"/>
   </p:sldMasterIdLst>
   <p:notesMasterIdLst>
-    <p:notesMasterId r:id="rId15"/>
+    <p:notesMasterId r:id="rId16"/>
   </p:notesMasterIdLst>
   <p:sldIdLst>
     <p:sldId id="256" r:id="rId2"/>
@@ -18,9 +18,10 @@
     <p:sldId id="267" r:id="rId9"/>
     <p:sldId id="262" r:id="rId10"/>
     <p:sldId id="272" r:id="rId11"/>
-    <p:sldId id="268" r:id="rId12"/>
-    <p:sldId id="263" r:id="rId13"/>
-    <p:sldId id="265" r:id="rId14"/>
+    <p:sldId id="275" r:id="rId12"/>
+    <p:sldId id="268" r:id="rId13"/>
+    <p:sldId id="263" r:id="rId14"/>
+    <p:sldId id="265" r:id="rId15"/>
   </p:sldIdLst>
   <p:sldSz cx="12192000" cy="6858000"/>
   <p:notesSz cx="6858000" cy="9144000"/>
@@ -4470,7 +4471,7 @@
         <p:spPr>
           <a:xfrm>
             <a:off x="6476301" y="4186107"/>
-            <a:ext cx="5243119" cy="1384995"/>
+            <a:ext cx="5243119" cy="1631216"/>
           </a:xfrm>
           <a:prstGeom prst="rect">
             <a:avLst/>
@@ -4483,39 +4484,45 @@
           </a:bodyPr>
           <a:lstStyle/>
           <a:p>
-            <a:pPr algn="ctr"/>
+            <a:pPr algn="r"/>
             <a:r>
               <a:rPr lang="en-US" altLang="ko-KR" sz="2800" dirty="0"/>
               <a:t>Team 6</a:t>
             </a:r>
           </a:p>
           <a:p>
-            <a:pPr algn="ctr"/>
-            <a:endParaRPr lang="en-US" altLang="ko-KR" sz="2800" dirty="0"/>
-          </a:p>
-          <a:p>
-            <a:pPr algn="ctr"/>
-            <a:r>
-              <a:rPr lang="ko-KR" altLang="en-US" sz="2800" dirty="0"/>
-              <a:t>김명규</a:t>
-            </a:r>
-            <a:r>
-              <a:rPr lang="en-US" altLang="ko-KR" sz="2800" dirty="0"/>
-              <a:t>	</a:t>
-            </a:r>
-            <a:r>
-              <a:rPr lang="ko-KR" altLang="en-US" sz="2800" dirty="0" err="1"/>
-              <a:t>남근우</a:t>
-            </a:r>
-            <a:r>
-              <a:rPr lang="en-US" altLang="ko-KR" sz="2800" dirty="0"/>
-              <a:t>	</a:t>
-            </a:r>
-            <a:r>
-              <a:rPr lang="ko-KR" altLang="en-US" sz="2800" dirty="0" err="1"/>
-              <a:t>성호준</a:t>
-            </a:r>
-            <a:endParaRPr lang="en-US" altLang="ko-KR" sz="2800" dirty="0"/>
+            <a:pPr algn="r"/>
+            <a:r>
+              <a:rPr lang="en-US" altLang="ko-KR" sz="2400" dirty="0"/>
+              <a:t>Nam, </a:t>
+            </a:r>
+            <a:r>
+              <a:rPr lang="en-US" altLang="ko-KR" sz="2400" dirty="0" err="1"/>
+              <a:t>Geun</a:t>
+            </a:r>
+            <a:r>
+              <a:rPr lang="en-US" altLang="ko-KR" sz="2400" dirty="0"/>
+              <a:t> Woo</a:t>
+            </a:r>
+          </a:p>
+          <a:p>
+            <a:pPr algn="r"/>
+            <a:r>
+              <a:rPr lang="en-US" altLang="ko-KR" sz="2400" dirty="0"/>
+              <a:t>Kim, Myung </a:t>
+            </a:r>
+            <a:r>
+              <a:rPr lang="en-US" altLang="ko-KR" sz="2400" dirty="0" err="1"/>
+              <a:t>Gyu</a:t>
+            </a:r>
+            <a:endParaRPr lang="en-US" altLang="ko-KR" sz="2400" dirty="0"/>
+          </a:p>
+          <a:p>
+            <a:pPr algn="r"/>
+            <a:r>
+              <a:rPr lang="en-US" altLang="ko-KR" sz="2400" dirty="0"/>
+              <a:t>Sung, Ho Joon</a:t>
+            </a:r>
           </a:p>
         </p:txBody>
       </p:sp>
@@ -5358,6 +5365,1203 @@
       </p:grpSpPr>
       <p:sp>
         <p:nvSpPr>
+          <p:cNvPr id="2" name="TextBox 1">
+            <a:extLst>
+              <a:ext uri="{FF2B5EF4-FFF2-40B4-BE49-F238E27FC236}">
+                <a16:creationId xmlns:a16="http://schemas.microsoft.com/office/drawing/2014/main" id="{372DB1F0-EE97-4BE6-9D65-864A8ED03C09}"/>
+              </a:ext>
+            </a:extLst>
+          </p:cNvPr>
+          <p:cNvSpPr txBox="1"/>
+          <p:nvPr/>
+        </p:nvSpPr>
+        <p:spPr>
+          <a:xfrm>
+            <a:off x="215142" y="174170"/>
+            <a:ext cx="2342308" cy="523220"/>
+          </a:xfrm>
+          <a:prstGeom prst="rect">
+            <a:avLst/>
+          </a:prstGeom>
+          <a:noFill/>
+        </p:spPr>
+        <p:txBody>
+          <a:bodyPr wrap="none" rtlCol="0">
+            <a:spAutoFit/>
+          </a:bodyPr>
+          <a:lstStyle/>
+          <a:p>
+            <a:r>
+              <a:rPr lang="en-US" altLang="ko-KR" sz="2800" dirty="0"/>
+              <a:t>Further plans</a:t>
+            </a:r>
+            <a:endParaRPr lang="ko-KR" altLang="en-US" sz="2800" dirty="0"/>
+          </a:p>
+        </p:txBody>
+      </p:sp>
+      <p:sp>
+        <p:nvSpPr>
+          <p:cNvPr id="3" name="TextBox 2">
+            <a:extLst>
+              <a:ext uri="{FF2B5EF4-FFF2-40B4-BE49-F238E27FC236}">
+                <a16:creationId xmlns:a16="http://schemas.microsoft.com/office/drawing/2014/main" id="{774D376B-3124-4EA1-B7BE-EC89D07DBF17}"/>
+              </a:ext>
+            </a:extLst>
+          </p:cNvPr>
+          <p:cNvSpPr txBox="1"/>
+          <p:nvPr/>
+        </p:nvSpPr>
+        <p:spPr>
+          <a:xfrm>
+            <a:off x="418008" y="766812"/>
+            <a:ext cx="11538861" cy="923330"/>
+          </a:xfrm>
+          <a:prstGeom prst="rect">
+            <a:avLst/>
+          </a:prstGeom>
+          <a:noFill/>
+        </p:spPr>
+        <p:txBody>
+          <a:bodyPr wrap="square" rtlCol="0">
+            <a:spAutoFit/>
+          </a:bodyPr>
+          <a:lstStyle/>
+          <a:p>
+            <a:pPr marL="285750" indent="-285750">
+              <a:buFontTx/>
+              <a:buChar char="-"/>
+            </a:pPr>
+            <a:r>
+              <a:rPr lang="en-US" altLang="ko-KR" dirty="0"/>
+              <a:t>Validate the effectiveness of this application with clinical trials in collaboration with doctors, psychologists.</a:t>
+            </a:r>
+          </a:p>
+          <a:p>
+            <a:pPr marL="285750" indent="-285750">
+              <a:buFontTx/>
+              <a:buChar char="-"/>
+            </a:pPr>
+            <a:r>
+              <a:rPr lang="en-US" altLang="ko-KR" dirty="0"/>
+              <a:t>Prepare for the expansion</a:t>
+            </a:r>
+            <a:br>
+              <a:rPr lang="en-US" altLang="ko-KR" dirty="0"/>
+            </a:br>
+            <a:r>
+              <a:rPr lang="en-US" altLang="ko-KR" dirty="0"/>
+              <a:t>(ex. Compliant to HL7 to integrate into HIS, automatic BG recording with Bluetooth, etc.)</a:t>
+            </a:r>
+          </a:p>
+        </p:txBody>
+      </p:sp>
+      <p:sp>
+        <p:nvSpPr>
+          <p:cNvPr id="31" name="직사각형 30">
+            <a:extLst>
+              <a:ext uri="{FF2B5EF4-FFF2-40B4-BE49-F238E27FC236}">
+                <a16:creationId xmlns:a16="http://schemas.microsoft.com/office/drawing/2014/main" id="{30AC85D1-EC36-4446-BE4F-5EEF0BB0EF43}"/>
+              </a:ext>
+            </a:extLst>
+          </p:cNvPr>
+          <p:cNvSpPr/>
+          <p:nvPr/>
+        </p:nvSpPr>
+        <p:spPr>
+          <a:xfrm>
+            <a:off x="800358" y="2732918"/>
+            <a:ext cx="2450684" cy="3635382"/>
+          </a:xfrm>
+          <a:prstGeom prst="rect">
+            <a:avLst/>
+          </a:prstGeom>
+        </p:spPr>
+        <p:style>
+          <a:lnRef idx="2">
+            <a:schemeClr val="accent3">
+              <a:shade val="50000"/>
+            </a:schemeClr>
+          </a:lnRef>
+          <a:fillRef idx="1">
+            <a:schemeClr val="accent3"/>
+          </a:fillRef>
+          <a:effectRef idx="0">
+            <a:schemeClr val="accent3"/>
+          </a:effectRef>
+          <a:fontRef idx="minor">
+            <a:schemeClr val="lt1"/>
+          </a:fontRef>
+        </p:style>
+        <p:txBody>
+          <a:bodyPr rtlCol="0" anchor="ctr"/>
+          <a:lstStyle/>
+          <a:p>
+            <a:pPr algn="ctr"/>
+            <a:endParaRPr lang="ko-KR" altLang="en-US" sz="1100"/>
+          </a:p>
+        </p:txBody>
+      </p:sp>
+      <p:sp>
+        <p:nvSpPr>
+          <p:cNvPr id="32" name="순서도: 자기 디스크 31">
+            <a:extLst>
+              <a:ext uri="{FF2B5EF4-FFF2-40B4-BE49-F238E27FC236}">
+                <a16:creationId xmlns:a16="http://schemas.microsoft.com/office/drawing/2014/main" id="{1C182C1C-042E-4F66-ABC3-283F56D4A6CA}"/>
+              </a:ext>
+            </a:extLst>
+          </p:cNvPr>
+          <p:cNvSpPr/>
+          <p:nvPr/>
+        </p:nvSpPr>
+        <p:spPr>
+          <a:xfrm>
+            <a:off x="1368345" y="3252258"/>
+            <a:ext cx="1314709" cy="2546442"/>
+          </a:xfrm>
+          <a:prstGeom prst="flowChartMagneticDisk">
+            <a:avLst/>
+          </a:prstGeom>
+        </p:spPr>
+        <p:style>
+          <a:lnRef idx="1">
+            <a:schemeClr val="accent3"/>
+          </a:lnRef>
+          <a:fillRef idx="2">
+            <a:schemeClr val="accent3"/>
+          </a:fillRef>
+          <a:effectRef idx="1">
+            <a:schemeClr val="accent3"/>
+          </a:effectRef>
+          <a:fontRef idx="minor">
+            <a:schemeClr val="dk1"/>
+          </a:fontRef>
+        </p:style>
+        <p:txBody>
+          <a:bodyPr rtlCol="0" anchor="ctr"/>
+          <a:lstStyle/>
+          <a:p>
+            <a:pPr algn="ctr"/>
+            <a:r>
+              <a:rPr lang="en-US" altLang="ko-KR" sz="1400" dirty="0"/>
+              <a:t>Database</a:t>
+            </a:r>
+            <a:endParaRPr lang="ko-KR" altLang="en-US" sz="1400" dirty="0"/>
+          </a:p>
+        </p:txBody>
+      </p:sp>
+      <p:sp>
+        <p:nvSpPr>
+          <p:cNvPr id="33" name="직사각형 32">
+            <a:extLst>
+              <a:ext uri="{FF2B5EF4-FFF2-40B4-BE49-F238E27FC236}">
+                <a16:creationId xmlns:a16="http://schemas.microsoft.com/office/drawing/2014/main" id="{F093B448-D845-49BB-A3DF-6994AE7D7B40}"/>
+              </a:ext>
+            </a:extLst>
+          </p:cNvPr>
+          <p:cNvSpPr/>
+          <p:nvPr/>
+        </p:nvSpPr>
+        <p:spPr>
+          <a:xfrm>
+            <a:off x="4939583" y="1820454"/>
+            <a:ext cx="2574846" cy="2435721"/>
+          </a:xfrm>
+          <a:prstGeom prst="rect">
+            <a:avLst/>
+          </a:prstGeom>
+        </p:spPr>
+        <p:style>
+          <a:lnRef idx="2">
+            <a:schemeClr val="accent3">
+              <a:shade val="50000"/>
+            </a:schemeClr>
+          </a:lnRef>
+          <a:fillRef idx="1">
+            <a:schemeClr val="accent3"/>
+          </a:fillRef>
+          <a:effectRef idx="0">
+            <a:schemeClr val="accent3"/>
+          </a:effectRef>
+          <a:fontRef idx="minor">
+            <a:schemeClr val="lt1"/>
+          </a:fontRef>
+        </p:style>
+        <p:txBody>
+          <a:bodyPr rtlCol="0" anchor="ctr"/>
+          <a:lstStyle/>
+          <a:p>
+            <a:pPr algn="ctr"/>
+            <a:endParaRPr lang="ko-KR" altLang="en-US" sz="1100"/>
+          </a:p>
+        </p:txBody>
+      </p:sp>
+      <p:sp>
+        <p:nvSpPr>
+          <p:cNvPr id="34" name="직사각형 33">
+            <a:extLst>
+              <a:ext uri="{FF2B5EF4-FFF2-40B4-BE49-F238E27FC236}">
+                <a16:creationId xmlns:a16="http://schemas.microsoft.com/office/drawing/2014/main" id="{AC795EDC-D233-4629-80FD-BFE8392B7980}"/>
+              </a:ext>
+            </a:extLst>
+          </p:cNvPr>
+          <p:cNvSpPr/>
+          <p:nvPr/>
+        </p:nvSpPr>
+        <p:spPr>
+          <a:xfrm>
+            <a:off x="4914976" y="4871008"/>
+            <a:ext cx="1748844" cy="1654350"/>
+          </a:xfrm>
+          <a:prstGeom prst="rect">
+            <a:avLst/>
+          </a:prstGeom>
+        </p:spPr>
+        <p:style>
+          <a:lnRef idx="2">
+            <a:schemeClr val="accent3">
+              <a:shade val="50000"/>
+            </a:schemeClr>
+          </a:lnRef>
+          <a:fillRef idx="1">
+            <a:schemeClr val="accent3"/>
+          </a:fillRef>
+          <a:effectRef idx="0">
+            <a:schemeClr val="accent3"/>
+          </a:effectRef>
+          <a:fontRef idx="minor">
+            <a:schemeClr val="lt1"/>
+          </a:fontRef>
+        </p:style>
+        <p:txBody>
+          <a:bodyPr rtlCol="0" anchor="ctr"/>
+          <a:lstStyle/>
+          <a:p>
+            <a:pPr algn="ctr"/>
+            <a:endParaRPr lang="ko-KR" altLang="en-US" sz="1100" dirty="0"/>
+          </a:p>
+        </p:txBody>
+      </p:sp>
+      <p:cxnSp>
+        <p:nvCxnSpPr>
+          <p:cNvPr id="35" name="직선 화살표 연결선 34">
+            <a:extLst>
+              <a:ext uri="{FF2B5EF4-FFF2-40B4-BE49-F238E27FC236}">
+                <a16:creationId xmlns:a16="http://schemas.microsoft.com/office/drawing/2014/main" id="{F75E15A4-BDE2-431E-9535-9898DDA2069E}"/>
+              </a:ext>
+            </a:extLst>
+          </p:cNvPr>
+          <p:cNvCxnSpPr/>
+          <p:nvPr/>
+        </p:nvCxnSpPr>
+        <p:spPr>
+          <a:xfrm flipH="1">
+            <a:off x="3559458" y="3310619"/>
+            <a:ext cx="1249677" cy="603105"/>
+          </a:xfrm>
+          <a:prstGeom prst="straightConnector1">
+            <a:avLst/>
+          </a:prstGeom>
+          <a:ln>
+            <a:solidFill>
+              <a:schemeClr val="bg1">
+                <a:lumMod val="50000"/>
+              </a:schemeClr>
+            </a:solidFill>
+            <a:tailEnd type="triangle"/>
+          </a:ln>
+        </p:spPr>
+        <p:style>
+          <a:lnRef idx="1">
+            <a:schemeClr val="accent1"/>
+          </a:lnRef>
+          <a:fillRef idx="0">
+            <a:schemeClr val="accent1"/>
+          </a:fillRef>
+          <a:effectRef idx="0">
+            <a:schemeClr val="accent1"/>
+          </a:effectRef>
+          <a:fontRef idx="minor">
+            <a:schemeClr val="tx1"/>
+          </a:fontRef>
+        </p:style>
+      </p:cxnSp>
+      <p:cxnSp>
+        <p:nvCxnSpPr>
+          <p:cNvPr id="36" name="직선 화살표 연결선 35">
+            <a:extLst>
+              <a:ext uri="{FF2B5EF4-FFF2-40B4-BE49-F238E27FC236}">
+                <a16:creationId xmlns:a16="http://schemas.microsoft.com/office/drawing/2014/main" id="{7A8BCB34-FDD5-4425-9E64-BE090C845CB0}"/>
+              </a:ext>
+            </a:extLst>
+          </p:cNvPr>
+          <p:cNvCxnSpPr>
+            <a:cxnSpLocks/>
+          </p:cNvCxnSpPr>
+          <p:nvPr/>
+        </p:nvCxnSpPr>
+        <p:spPr>
+          <a:xfrm rot="10800000" flipH="1">
+            <a:off x="3559458" y="3488619"/>
+            <a:ext cx="1249677" cy="603105"/>
+          </a:xfrm>
+          <a:prstGeom prst="straightConnector1">
+            <a:avLst/>
+          </a:prstGeom>
+          <a:ln>
+            <a:solidFill>
+              <a:schemeClr val="bg1">
+                <a:lumMod val="50000"/>
+              </a:schemeClr>
+            </a:solidFill>
+            <a:tailEnd type="triangle"/>
+          </a:ln>
+        </p:spPr>
+        <p:style>
+          <a:lnRef idx="1">
+            <a:schemeClr val="accent1"/>
+          </a:lnRef>
+          <a:fillRef idx="0">
+            <a:schemeClr val="accent1"/>
+          </a:fillRef>
+          <a:effectRef idx="0">
+            <a:schemeClr val="accent1"/>
+          </a:effectRef>
+          <a:fontRef idx="minor">
+            <a:schemeClr val="tx1"/>
+          </a:fontRef>
+        </p:style>
+      </p:cxnSp>
+      <p:cxnSp>
+        <p:nvCxnSpPr>
+          <p:cNvPr id="37" name="직선 화살표 연결선 36">
+            <a:extLst>
+              <a:ext uri="{FF2B5EF4-FFF2-40B4-BE49-F238E27FC236}">
+                <a16:creationId xmlns:a16="http://schemas.microsoft.com/office/drawing/2014/main" id="{A6F8A393-76E4-4077-AFBC-C86A7662E3D4}"/>
+              </a:ext>
+            </a:extLst>
+          </p:cNvPr>
+          <p:cNvCxnSpPr>
+            <a:cxnSpLocks/>
+          </p:cNvCxnSpPr>
+          <p:nvPr/>
+        </p:nvCxnSpPr>
+        <p:spPr>
+          <a:xfrm flipH="1" flipV="1">
+            <a:off x="3468445" y="5170467"/>
+            <a:ext cx="1249677" cy="603105"/>
+          </a:xfrm>
+          <a:prstGeom prst="straightConnector1">
+            <a:avLst/>
+          </a:prstGeom>
+          <a:ln>
+            <a:solidFill>
+              <a:schemeClr val="bg1">
+                <a:lumMod val="50000"/>
+              </a:schemeClr>
+            </a:solidFill>
+            <a:tailEnd type="triangle"/>
+          </a:ln>
+        </p:spPr>
+        <p:style>
+          <a:lnRef idx="1">
+            <a:schemeClr val="accent1"/>
+          </a:lnRef>
+          <a:fillRef idx="0">
+            <a:schemeClr val="accent1"/>
+          </a:fillRef>
+          <a:effectRef idx="0">
+            <a:schemeClr val="accent1"/>
+          </a:effectRef>
+          <a:fontRef idx="minor">
+            <a:schemeClr val="tx1"/>
+          </a:fontRef>
+        </p:style>
+      </p:cxnSp>
+      <p:cxnSp>
+        <p:nvCxnSpPr>
+          <p:cNvPr id="38" name="직선 화살표 연결선 37">
+            <a:extLst>
+              <a:ext uri="{FF2B5EF4-FFF2-40B4-BE49-F238E27FC236}">
+                <a16:creationId xmlns:a16="http://schemas.microsoft.com/office/drawing/2014/main" id="{5ED7A500-2AEE-4B00-A6FB-BDFCD664D37B}"/>
+              </a:ext>
+            </a:extLst>
+          </p:cNvPr>
+          <p:cNvCxnSpPr>
+            <a:cxnSpLocks/>
+          </p:cNvCxnSpPr>
+          <p:nvPr/>
+        </p:nvCxnSpPr>
+        <p:spPr>
+          <a:xfrm rot="10800000" flipH="1" flipV="1">
+            <a:off x="3468445" y="5348467"/>
+            <a:ext cx="1249677" cy="603105"/>
+          </a:xfrm>
+          <a:prstGeom prst="straightConnector1">
+            <a:avLst/>
+          </a:prstGeom>
+          <a:ln>
+            <a:solidFill>
+              <a:schemeClr val="bg1">
+                <a:lumMod val="50000"/>
+              </a:schemeClr>
+            </a:solidFill>
+            <a:tailEnd type="triangle"/>
+          </a:ln>
+        </p:spPr>
+        <p:style>
+          <a:lnRef idx="1">
+            <a:schemeClr val="accent1"/>
+          </a:lnRef>
+          <a:fillRef idx="0">
+            <a:schemeClr val="accent1"/>
+          </a:fillRef>
+          <a:effectRef idx="0">
+            <a:schemeClr val="accent1"/>
+          </a:effectRef>
+          <a:fontRef idx="minor">
+            <a:schemeClr val="tx1"/>
+          </a:fontRef>
+        </p:style>
+      </p:cxnSp>
+      <p:sp>
+        <p:nvSpPr>
+          <p:cNvPr id="39" name="TextBox 38">
+            <a:extLst>
+              <a:ext uri="{FF2B5EF4-FFF2-40B4-BE49-F238E27FC236}">
+                <a16:creationId xmlns:a16="http://schemas.microsoft.com/office/drawing/2014/main" id="{94A86174-19FE-4B48-AA8F-9D7FCAB7E86C}"/>
+              </a:ext>
+            </a:extLst>
+          </p:cNvPr>
+          <p:cNvSpPr txBox="1"/>
+          <p:nvPr/>
+        </p:nvSpPr>
+        <p:spPr>
+          <a:xfrm>
+            <a:off x="4939583" y="4600867"/>
+            <a:ext cx="627095" cy="261610"/>
+          </a:xfrm>
+          <a:prstGeom prst="rect">
+            <a:avLst/>
+          </a:prstGeom>
+          <a:noFill/>
+        </p:spPr>
+        <p:txBody>
+          <a:bodyPr wrap="none" rtlCol="0">
+            <a:spAutoFit/>
+          </a:bodyPr>
+          <a:lstStyle/>
+          <a:p>
+            <a:r>
+              <a:rPr lang="en-US" altLang="ko-KR" sz="1100" dirty="0"/>
+              <a:t>Patient</a:t>
+            </a:r>
+            <a:endParaRPr lang="ko-KR" altLang="en-US" sz="1100" dirty="0"/>
+          </a:p>
+        </p:txBody>
+      </p:sp>
+      <p:sp>
+        <p:nvSpPr>
+          <p:cNvPr id="40" name="TextBox 39">
+            <a:extLst>
+              <a:ext uri="{FF2B5EF4-FFF2-40B4-BE49-F238E27FC236}">
+                <a16:creationId xmlns:a16="http://schemas.microsoft.com/office/drawing/2014/main" id="{A6FB1E09-150F-4A1E-9F8B-41F1329650AD}"/>
+              </a:ext>
+            </a:extLst>
+          </p:cNvPr>
+          <p:cNvSpPr txBox="1"/>
+          <p:nvPr/>
+        </p:nvSpPr>
+        <p:spPr>
+          <a:xfrm>
+            <a:off x="5109517" y="2781291"/>
+            <a:ext cx="2267929" cy="461665"/>
+          </a:xfrm>
+          <a:prstGeom prst="rect">
+            <a:avLst/>
+          </a:prstGeom>
+          <a:noFill/>
+        </p:spPr>
+        <p:txBody>
+          <a:bodyPr wrap="none" rtlCol="0">
+            <a:spAutoFit/>
+          </a:bodyPr>
+          <a:lstStyle/>
+          <a:p>
+            <a:pPr algn="ctr"/>
+            <a:r>
+              <a:rPr lang="en-US" altLang="ko-KR" sz="1200" dirty="0"/>
+              <a:t>HIS</a:t>
+            </a:r>
+            <a:br>
+              <a:rPr lang="en-US" altLang="ko-KR" sz="1200" dirty="0"/>
+            </a:br>
+            <a:r>
+              <a:rPr lang="en-US" altLang="ko-KR" sz="1200" dirty="0"/>
+              <a:t>(Hospital Information System)</a:t>
+            </a:r>
+            <a:endParaRPr lang="ko-KR" altLang="en-US" sz="1200" dirty="0"/>
+          </a:p>
+        </p:txBody>
+      </p:sp>
+      <p:sp>
+        <p:nvSpPr>
+          <p:cNvPr id="43" name="TextBox 42">
+            <a:extLst>
+              <a:ext uri="{FF2B5EF4-FFF2-40B4-BE49-F238E27FC236}">
+                <a16:creationId xmlns:a16="http://schemas.microsoft.com/office/drawing/2014/main" id="{1D19C27F-1E5A-40D7-9E0E-B3BCCA2DD3F7}"/>
+              </a:ext>
+            </a:extLst>
+          </p:cNvPr>
+          <p:cNvSpPr txBox="1"/>
+          <p:nvPr/>
+        </p:nvSpPr>
+        <p:spPr>
+          <a:xfrm rot="1415308">
+            <a:off x="3487055" y="5107894"/>
+            <a:ext cx="1343638" cy="430887"/>
+          </a:xfrm>
+          <a:prstGeom prst="rect">
+            <a:avLst/>
+          </a:prstGeom>
+          <a:noFill/>
+        </p:spPr>
+        <p:txBody>
+          <a:bodyPr wrap="none" rtlCol="0">
+            <a:spAutoFit/>
+          </a:bodyPr>
+          <a:lstStyle/>
+          <a:p>
+            <a:r>
+              <a:rPr lang="en-US" altLang="ko-KR" sz="1100" dirty="0"/>
+              <a:t>Physiological data</a:t>
+            </a:r>
+          </a:p>
+          <a:p>
+            <a:r>
+              <a:rPr lang="en-US" altLang="ko-KR" sz="1100" dirty="0"/>
+              <a:t>CBT diary data</a:t>
+            </a:r>
+            <a:endParaRPr lang="ko-KR" altLang="en-US" sz="1100" dirty="0"/>
+          </a:p>
+        </p:txBody>
+      </p:sp>
+      <p:sp>
+        <p:nvSpPr>
+          <p:cNvPr id="44" name="TextBox 43">
+            <a:extLst>
+              <a:ext uri="{FF2B5EF4-FFF2-40B4-BE49-F238E27FC236}">
+                <a16:creationId xmlns:a16="http://schemas.microsoft.com/office/drawing/2014/main" id="{4FFD66F1-9EB1-4C10-9654-7C585442480B}"/>
+              </a:ext>
+            </a:extLst>
+          </p:cNvPr>
+          <p:cNvSpPr txBox="1"/>
+          <p:nvPr/>
+        </p:nvSpPr>
+        <p:spPr>
+          <a:xfrm rot="1415308">
+            <a:off x="3573934" y="5667895"/>
+            <a:ext cx="960519" cy="261610"/>
+          </a:xfrm>
+          <a:prstGeom prst="rect">
+            <a:avLst/>
+          </a:prstGeom>
+          <a:noFill/>
+        </p:spPr>
+        <p:txBody>
+          <a:bodyPr wrap="none" rtlCol="0">
+            <a:spAutoFit/>
+          </a:bodyPr>
+          <a:lstStyle/>
+          <a:p>
+            <a:r>
+              <a:rPr lang="en-US" altLang="ko-KR" sz="1100" dirty="0"/>
+              <a:t>Review data</a:t>
+            </a:r>
+            <a:endParaRPr lang="ko-KR" altLang="en-US" sz="1100" dirty="0"/>
+          </a:p>
+        </p:txBody>
+      </p:sp>
+      <p:sp>
+        <p:nvSpPr>
+          <p:cNvPr id="45" name="직사각형 44">
+            <a:extLst>
+              <a:ext uri="{FF2B5EF4-FFF2-40B4-BE49-F238E27FC236}">
+                <a16:creationId xmlns:a16="http://schemas.microsoft.com/office/drawing/2014/main" id="{3FCA43F9-5B12-46B2-A50C-073579F8350A}"/>
+              </a:ext>
+            </a:extLst>
+          </p:cNvPr>
+          <p:cNvSpPr/>
+          <p:nvPr/>
+        </p:nvSpPr>
+        <p:spPr>
+          <a:xfrm>
+            <a:off x="581319" y="2574446"/>
+            <a:ext cx="2784912" cy="3950912"/>
+          </a:xfrm>
+          <a:prstGeom prst="rect">
+            <a:avLst/>
+          </a:prstGeom>
+          <a:noFill/>
+          <a:ln w="28575" cap="flat" cmpd="sng" algn="ctr">
+            <a:solidFill>
+              <a:srgbClr val="FF0000"/>
+            </a:solidFill>
+            <a:prstDash val="solid"/>
+            <a:round/>
+            <a:headEnd type="none" w="med" len="med"/>
+            <a:tailEnd type="none" w="med" len="med"/>
+          </a:ln>
+        </p:spPr>
+        <p:style>
+          <a:lnRef idx="0">
+            <a:scrgbClr r="0" g="0" b="0"/>
+          </a:lnRef>
+          <a:fillRef idx="0">
+            <a:scrgbClr r="0" g="0" b="0"/>
+          </a:fillRef>
+          <a:effectRef idx="0">
+            <a:scrgbClr r="0" g="0" b="0"/>
+          </a:effectRef>
+          <a:fontRef idx="minor">
+            <a:schemeClr val="accent2"/>
+          </a:fontRef>
+        </p:style>
+        <p:txBody>
+          <a:bodyPr rtlCol="0" anchor="ctr"/>
+          <a:lstStyle/>
+          <a:p>
+            <a:pPr algn="ctr"/>
+            <a:endParaRPr lang="ko-KR" altLang="en-US" sz="1100"/>
+          </a:p>
+        </p:txBody>
+      </p:sp>
+      <p:sp>
+        <p:nvSpPr>
+          <p:cNvPr id="46" name="직사각형 45">
+            <a:extLst>
+              <a:ext uri="{FF2B5EF4-FFF2-40B4-BE49-F238E27FC236}">
+                <a16:creationId xmlns:a16="http://schemas.microsoft.com/office/drawing/2014/main" id="{1775D27E-5B90-439F-91D2-7017CCE559FF}"/>
+              </a:ext>
+            </a:extLst>
+          </p:cNvPr>
+          <p:cNvSpPr/>
+          <p:nvPr/>
+        </p:nvSpPr>
+        <p:spPr>
+          <a:xfrm>
+            <a:off x="4739183" y="4550609"/>
+            <a:ext cx="2114462" cy="2133221"/>
+          </a:xfrm>
+          <a:prstGeom prst="rect">
+            <a:avLst/>
+          </a:prstGeom>
+          <a:noFill/>
+          <a:ln w="28575" cap="flat" cmpd="sng" algn="ctr">
+            <a:solidFill>
+              <a:srgbClr val="FF0000"/>
+            </a:solidFill>
+            <a:prstDash val="solid"/>
+            <a:round/>
+            <a:headEnd type="none" w="med" len="med"/>
+            <a:tailEnd type="none" w="med" len="med"/>
+          </a:ln>
+        </p:spPr>
+        <p:style>
+          <a:lnRef idx="0">
+            <a:scrgbClr r="0" g="0" b="0"/>
+          </a:lnRef>
+          <a:fillRef idx="0">
+            <a:scrgbClr r="0" g="0" b="0"/>
+          </a:fillRef>
+          <a:effectRef idx="0">
+            <a:scrgbClr r="0" g="0" b="0"/>
+          </a:effectRef>
+          <a:fontRef idx="minor">
+            <a:schemeClr val="accent2"/>
+          </a:fontRef>
+        </p:style>
+        <p:txBody>
+          <a:bodyPr rtlCol="0" anchor="ctr"/>
+          <a:lstStyle/>
+          <a:p>
+            <a:pPr algn="ctr"/>
+            <a:endParaRPr lang="ko-KR" altLang="en-US" sz="1100"/>
+          </a:p>
+        </p:txBody>
+      </p:sp>
+      <p:pic>
+        <p:nvPicPr>
+          <p:cNvPr id="1026" name="Picture 2" descr="ë¤ë ì¸ìë¦° ííì ëí ì´ë¯¸ì§ ê²ìê²°ê³¼">
+            <a:extLst>
+              <a:ext uri="{FF2B5EF4-FFF2-40B4-BE49-F238E27FC236}">
+                <a16:creationId xmlns:a16="http://schemas.microsoft.com/office/drawing/2014/main" id="{297ABAA0-1309-4C40-A7A4-A13A6E089548}"/>
+              </a:ext>
+            </a:extLst>
+          </p:cNvPr>
+          <p:cNvPicPr>
+            <a:picLocks noChangeAspect="1" noChangeArrowheads="1"/>
+          </p:cNvPicPr>
+          <p:nvPr/>
+        </p:nvPicPr>
+        <p:blipFill>
+          <a:blip r:embed="rId2">
+            <a:extLst>
+              <a:ext uri="{28A0092B-C50C-407E-A947-70E740481C1C}">
+                <a14:useLocalDpi xmlns:a14="http://schemas.microsoft.com/office/drawing/2010/main" val="0"/>
+              </a:ext>
+            </a:extLst>
+          </a:blip>
+          <a:srcRect/>
+          <a:stretch>
+            <a:fillRect/>
+          </a:stretch>
+        </p:blipFill>
+        <p:spPr bwMode="auto">
+          <a:xfrm>
+            <a:off x="9317772" y="4857057"/>
+            <a:ext cx="1191029" cy="1338716"/>
+          </a:xfrm>
+          <a:prstGeom prst="rect">
+            <a:avLst/>
+          </a:prstGeom>
+          <a:noFill/>
+          <a:extLst>
+            <a:ext uri="{909E8E84-426E-40DD-AFC4-6F175D3DCCD1}">
+              <a14:hiddenFill xmlns:a14="http://schemas.microsoft.com/office/drawing/2010/main">
+                <a:solidFill>
+                  <a:srgbClr val="FFFFFF"/>
+                </a:solidFill>
+              </a14:hiddenFill>
+            </a:ext>
+          </a:extLst>
+        </p:spPr>
+      </p:pic>
+      <p:sp>
+        <p:nvSpPr>
+          <p:cNvPr id="6" name="화살표: 오른쪽 5">
+            <a:extLst>
+              <a:ext uri="{FF2B5EF4-FFF2-40B4-BE49-F238E27FC236}">
+                <a16:creationId xmlns:a16="http://schemas.microsoft.com/office/drawing/2014/main" id="{FC28CCC3-72D7-4A7D-A8FB-8269EA1F96E4}"/>
+              </a:ext>
+            </a:extLst>
+          </p:cNvPr>
+          <p:cNvSpPr/>
+          <p:nvPr/>
+        </p:nvSpPr>
+        <p:spPr>
+          <a:xfrm flipH="1">
+            <a:off x="6957748" y="5472019"/>
+            <a:ext cx="2255919" cy="301553"/>
+          </a:xfrm>
+          <a:prstGeom prst="rightArrow">
+            <a:avLst/>
+          </a:prstGeom>
+          <a:solidFill>
+            <a:schemeClr val="bg1">
+              <a:lumMod val="65000"/>
+            </a:schemeClr>
+          </a:solidFill>
+          <a:ln>
+            <a:solidFill>
+              <a:schemeClr val="bg1">
+                <a:lumMod val="65000"/>
+              </a:schemeClr>
+            </a:solidFill>
+          </a:ln>
+        </p:spPr>
+        <p:style>
+          <a:lnRef idx="2">
+            <a:schemeClr val="accent1">
+              <a:shade val="50000"/>
+            </a:schemeClr>
+          </a:lnRef>
+          <a:fillRef idx="1">
+            <a:schemeClr val="accent1"/>
+          </a:fillRef>
+          <a:effectRef idx="0">
+            <a:schemeClr val="accent1"/>
+          </a:effectRef>
+          <a:fontRef idx="minor">
+            <a:schemeClr val="lt1"/>
+          </a:fontRef>
+        </p:style>
+        <p:txBody>
+          <a:bodyPr rtlCol="0" anchor="ctr"/>
+          <a:lstStyle/>
+          <a:p>
+            <a:pPr algn="ctr"/>
+            <a:endParaRPr lang="ko-KR" altLang="en-US"/>
+          </a:p>
+        </p:txBody>
+      </p:sp>
+      <p:sp>
+        <p:nvSpPr>
+          <p:cNvPr id="7" name="TextBox 6">
+            <a:extLst>
+              <a:ext uri="{FF2B5EF4-FFF2-40B4-BE49-F238E27FC236}">
+                <a16:creationId xmlns:a16="http://schemas.microsoft.com/office/drawing/2014/main" id="{C39F6226-BA79-4BD2-8857-DE20965C54A5}"/>
+              </a:ext>
+            </a:extLst>
+          </p:cNvPr>
+          <p:cNvSpPr txBox="1"/>
+          <p:nvPr/>
+        </p:nvSpPr>
+        <p:spPr>
+          <a:xfrm>
+            <a:off x="7151258" y="5003195"/>
+            <a:ext cx="2114462" cy="523220"/>
+          </a:xfrm>
+          <a:prstGeom prst="rect">
+            <a:avLst/>
+          </a:prstGeom>
+          <a:noFill/>
+        </p:spPr>
+        <p:txBody>
+          <a:bodyPr wrap="square" rtlCol="0">
+            <a:spAutoFit/>
+          </a:bodyPr>
+          <a:lstStyle/>
+          <a:p>
+            <a:r>
+              <a:rPr lang="en-US" altLang="ko-KR" sz="1400" dirty="0"/>
+              <a:t>BG data</a:t>
+            </a:r>
+          </a:p>
+          <a:p>
+            <a:r>
+              <a:rPr lang="en-US" altLang="ko-KR" sz="1400" dirty="0"/>
+              <a:t>Insulin injection data</a:t>
+            </a:r>
+            <a:endParaRPr lang="ko-KR" altLang="en-US" sz="1400" dirty="0"/>
+          </a:p>
+        </p:txBody>
+      </p:sp>
+      <p:cxnSp>
+        <p:nvCxnSpPr>
+          <p:cNvPr id="9" name="직선 화살표 연결선 8">
+            <a:extLst>
+              <a:ext uri="{FF2B5EF4-FFF2-40B4-BE49-F238E27FC236}">
+                <a16:creationId xmlns:a16="http://schemas.microsoft.com/office/drawing/2014/main" id="{4A2D3B76-3B97-4F06-B8C7-01611946D40E}"/>
+              </a:ext>
+            </a:extLst>
+          </p:cNvPr>
+          <p:cNvCxnSpPr/>
+          <p:nvPr/>
+        </p:nvCxnSpPr>
+        <p:spPr>
+          <a:xfrm>
+            <a:off x="7628709" y="2255520"/>
+            <a:ext cx="2011680" cy="0"/>
+          </a:xfrm>
+          <a:prstGeom prst="straightConnector1">
+            <a:avLst/>
+          </a:prstGeom>
+          <a:ln>
+            <a:headEnd type="triangle"/>
+            <a:tailEnd type="triangle"/>
+          </a:ln>
+        </p:spPr>
+        <p:style>
+          <a:lnRef idx="1">
+            <a:schemeClr val="accent3"/>
+          </a:lnRef>
+          <a:fillRef idx="0">
+            <a:schemeClr val="accent3"/>
+          </a:fillRef>
+          <a:effectRef idx="0">
+            <a:schemeClr val="accent3"/>
+          </a:effectRef>
+          <a:fontRef idx="minor">
+            <a:schemeClr val="tx1"/>
+          </a:fontRef>
+        </p:style>
+      </p:cxnSp>
+      <p:cxnSp>
+        <p:nvCxnSpPr>
+          <p:cNvPr id="48" name="직선 화살표 연결선 47">
+            <a:extLst>
+              <a:ext uri="{FF2B5EF4-FFF2-40B4-BE49-F238E27FC236}">
+                <a16:creationId xmlns:a16="http://schemas.microsoft.com/office/drawing/2014/main" id="{ACAC1B1D-8241-45D7-8DC0-705590029C61}"/>
+              </a:ext>
+            </a:extLst>
+          </p:cNvPr>
+          <p:cNvCxnSpPr/>
+          <p:nvPr/>
+        </p:nvCxnSpPr>
+        <p:spPr>
+          <a:xfrm>
+            <a:off x="7628709" y="2985997"/>
+            <a:ext cx="2011680" cy="0"/>
+          </a:xfrm>
+          <a:prstGeom prst="straightConnector1">
+            <a:avLst/>
+          </a:prstGeom>
+          <a:ln>
+            <a:headEnd type="triangle"/>
+            <a:tailEnd type="triangle"/>
+          </a:ln>
+        </p:spPr>
+        <p:style>
+          <a:lnRef idx="1">
+            <a:schemeClr val="accent3"/>
+          </a:lnRef>
+          <a:fillRef idx="0">
+            <a:schemeClr val="accent3"/>
+          </a:fillRef>
+          <a:effectRef idx="0">
+            <a:schemeClr val="accent3"/>
+          </a:effectRef>
+          <a:fontRef idx="minor">
+            <a:schemeClr val="tx1"/>
+          </a:fontRef>
+        </p:style>
+      </p:cxnSp>
+      <p:cxnSp>
+        <p:nvCxnSpPr>
+          <p:cNvPr id="49" name="직선 화살표 연결선 48">
+            <a:extLst>
+              <a:ext uri="{FF2B5EF4-FFF2-40B4-BE49-F238E27FC236}">
+                <a16:creationId xmlns:a16="http://schemas.microsoft.com/office/drawing/2014/main" id="{9B0D3BF8-402C-4C5D-8F31-A2C1D0AA1BE3}"/>
+              </a:ext>
+            </a:extLst>
+          </p:cNvPr>
+          <p:cNvCxnSpPr/>
+          <p:nvPr/>
+        </p:nvCxnSpPr>
+        <p:spPr>
+          <a:xfrm>
+            <a:off x="7628709" y="3797838"/>
+            <a:ext cx="2011680" cy="0"/>
+          </a:xfrm>
+          <a:prstGeom prst="straightConnector1">
+            <a:avLst/>
+          </a:prstGeom>
+          <a:ln>
+            <a:headEnd type="triangle"/>
+            <a:tailEnd type="triangle"/>
+          </a:ln>
+        </p:spPr>
+        <p:style>
+          <a:lnRef idx="1">
+            <a:schemeClr val="accent3"/>
+          </a:lnRef>
+          <a:fillRef idx="0">
+            <a:schemeClr val="accent3"/>
+          </a:fillRef>
+          <a:effectRef idx="0">
+            <a:schemeClr val="accent3"/>
+          </a:effectRef>
+          <a:fontRef idx="minor">
+            <a:schemeClr val="tx1"/>
+          </a:fontRef>
+        </p:style>
+      </p:cxnSp>
+      <p:sp>
+        <p:nvSpPr>
+          <p:cNvPr id="50" name="직사각형 49">
+            <a:extLst>
+              <a:ext uri="{FF2B5EF4-FFF2-40B4-BE49-F238E27FC236}">
+                <a16:creationId xmlns:a16="http://schemas.microsoft.com/office/drawing/2014/main" id="{5135ED14-837C-433E-916B-19B44036A062}"/>
+              </a:ext>
+            </a:extLst>
+          </p:cNvPr>
+          <p:cNvSpPr/>
+          <p:nvPr/>
+        </p:nvSpPr>
+        <p:spPr>
+          <a:xfrm>
+            <a:off x="9851218" y="1845541"/>
+            <a:ext cx="2011680" cy="712796"/>
+          </a:xfrm>
+          <a:prstGeom prst="rect">
+            <a:avLst/>
+          </a:prstGeom>
+        </p:spPr>
+        <p:style>
+          <a:lnRef idx="2">
+            <a:schemeClr val="accent3">
+              <a:shade val="50000"/>
+            </a:schemeClr>
+          </a:lnRef>
+          <a:fillRef idx="1">
+            <a:schemeClr val="accent3"/>
+          </a:fillRef>
+          <a:effectRef idx="0">
+            <a:schemeClr val="accent3"/>
+          </a:effectRef>
+          <a:fontRef idx="minor">
+            <a:schemeClr val="lt1"/>
+          </a:fontRef>
+        </p:style>
+        <p:txBody>
+          <a:bodyPr rtlCol="0" anchor="ctr"/>
+          <a:lstStyle/>
+          <a:p>
+            <a:pPr algn="ctr"/>
+            <a:r>
+              <a:rPr lang="en-US" altLang="ko-KR" sz="1400" dirty="0">
+                <a:solidFill>
+                  <a:schemeClr val="tx1"/>
+                </a:solidFill>
+              </a:rPr>
+              <a:t>Researchers</a:t>
+            </a:r>
+            <a:endParaRPr lang="ko-KR" altLang="en-US" sz="1400" dirty="0">
+              <a:solidFill>
+                <a:schemeClr val="tx1"/>
+              </a:solidFill>
+            </a:endParaRPr>
+          </a:p>
+        </p:txBody>
+      </p:sp>
+      <p:sp>
+        <p:nvSpPr>
+          <p:cNvPr id="51" name="직사각형 50">
+            <a:extLst>
+              <a:ext uri="{FF2B5EF4-FFF2-40B4-BE49-F238E27FC236}">
+                <a16:creationId xmlns:a16="http://schemas.microsoft.com/office/drawing/2014/main" id="{E7EB8C74-2F42-4C45-8739-2C06B7A8F38F}"/>
+              </a:ext>
+            </a:extLst>
+          </p:cNvPr>
+          <p:cNvSpPr/>
+          <p:nvPr/>
+        </p:nvSpPr>
+        <p:spPr>
+          <a:xfrm>
+            <a:off x="9851218" y="2621920"/>
+            <a:ext cx="2011680" cy="712796"/>
+          </a:xfrm>
+          <a:prstGeom prst="rect">
+            <a:avLst/>
+          </a:prstGeom>
+        </p:spPr>
+        <p:style>
+          <a:lnRef idx="2">
+            <a:schemeClr val="accent3">
+              <a:shade val="50000"/>
+            </a:schemeClr>
+          </a:lnRef>
+          <a:fillRef idx="1">
+            <a:schemeClr val="accent3"/>
+          </a:fillRef>
+          <a:effectRef idx="0">
+            <a:schemeClr val="accent3"/>
+          </a:effectRef>
+          <a:fontRef idx="minor">
+            <a:schemeClr val="lt1"/>
+          </a:fontRef>
+        </p:style>
+        <p:txBody>
+          <a:bodyPr rtlCol="0" anchor="ctr"/>
+          <a:lstStyle/>
+          <a:p>
+            <a:pPr algn="ctr"/>
+            <a:r>
+              <a:rPr lang="en-US" altLang="ko-KR" sz="1400" dirty="0">
+                <a:solidFill>
+                  <a:schemeClr val="tx1"/>
+                </a:solidFill>
+              </a:rPr>
+              <a:t>Psychologists</a:t>
+            </a:r>
+            <a:endParaRPr lang="ko-KR" altLang="en-US" sz="1400" dirty="0">
+              <a:solidFill>
+                <a:schemeClr val="tx1"/>
+              </a:solidFill>
+            </a:endParaRPr>
+          </a:p>
+        </p:txBody>
+      </p:sp>
+      <p:sp>
+        <p:nvSpPr>
+          <p:cNvPr id="52" name="직사각형 51">
+            <a:extLst>
+              <a:ext uri="{FF2B5EF4-FFF2-40B4-BE49-F238E27FC236}">
+                <a16:creationId xmlns:a16="http://schemas.microsoft.com/office/drawing/2014/main" id="{B696CFAA-FDAD-4E8C-9B91-47E92F57C5C4}"/>
+              </a:ext>
+            </a:extLst>
+          </p:cNvPr>
+          <p:cNvSpPr/>
+          <p:nvPr/>
+        </p:nvSpPr>
+        <p:spPr>
+          <a:xfrm>
+            <a:off x="9851218" y="3433774"/>
+            <a:ext cx="2011680" cy="712796"/>
+          </a:xfrm>
+          <a:prstGeom prst="rect">
+            <a:avLst/>
+          </a:prstGeom>
+        </p:spPr>
+        <p:style>
+          <a:lnRef idx="2">
+            <a:schemeClr val="accent3">
+              <a:shade val="50000"/>
+            </a:schemeClr>
+          </a:lnRef>
+          <a:fillRef idx="1">
+            <a:schemeClr val="accent3"/>
+          </a:fillRef>
+          <a:effectRef idx="0">
+            <a:schemeClr val="accent3"/>
+          </a:effectRef>
+          <a:fontRef idx="minor">
+            <a:schemeClr val="lt1"/>
+          </a:fontRef>
+        </p:style>
+        <p:txBody>
+          <a:bodyPr rtlCol="0" anchor="ctr"/>
+          <a:lstStyle/>
+          <a:p>
+            <a:pPr algn="ctr"/>
+            <a:r>
+              <a:rPr lang="en-US" altLang="ko-KR" sz="1400" dirty="0">
+                <a:solidFill>
+                  <a:schemeClr val="tx1"/>
+                </a:solidFill>
+              </a:rPr>
+              <a:t>Doctors</a:t>
+            </a:r>
+            <a:endParaRPr lang="ko-KR" altLang="en-US" sz="1400" dirty="0">
+              <a:solidFill>
+                <a:schemeClr val="tx1"/>
+              </a:solidFill>
+            </a:endParaRPr>
+          </a:p>
+        </p:txBody>
+      </p:sp>
+    </p:spTree>
+    <p:extLst>
+      <p:ext uri="{BB962C8B-B14F-4D97-AF65-F5344CB8AC3E}">
+        <p14:creationId xmlns:p14="http://schemas.microsoft.com/office/powerpoint/2010/main" val="2740516560"/>
+      </p:ext>
+    </p:extLst>
+  </p:cSld>
+  <p:clrMapOvr>
+    <a:masterClrMapping/>
+  </p:clrMapOvr>
+</p:sld>
+</file>
+
+<file path=ppt/slides/slide12.xml><?xml version="1.0" encoding="utf-8"?>
+<p:sld xmlns:a="http://schemas.openxmlformats.org/drawingml/2006/main" xmlns:r="http://schemas.openxmlformats.org/officeDocument/2006/relationships" xmlns:p="http://schemas.openxmlformats.org/presentationml/2006/main">
+  <p:cSld>
+    <p:spTree>
+      <p:nvGrpSpPr>
+        <p:cNvPr id="1" name=""/>
+        <p:cNvGrpSpPr/>
+        <p:nvPr/>
+      </p:nvGrpSpPr>
+      <p:grpSpPr>
+        <a:xfrm>
+          <a:off x="0" y="0"/>
+          <a:ext cx="0" cy="0"/>
+          <a:chOff x="0" y="0"/>
+          <a:chExt cx="0" cy="0"/>
+        </a:xfrm>
+      </p:grpSpPr>
+      <p:sp>
+        <p:nvSpPr>
           <p:cNvPr id="4" name="TextBox 3">
             <a:extLst>
               <a:ext uri="{FF2B5EF4-FFF2-40B4-BE49-F238E27FC236}">
@@ -5449,7 +6653,7 @@
 </p:sld>
 </file>
 
-<file path=ppt/slides/slide12.xml><?xml version="1.0" encoding="utf-8"?>
+<file path=ppt/slides/slide13.xml><?xml version="1.0" encoding="utf-8"?>
 <p:sld xmlns:a="http://schemas.openxmlformats.org/drawingml/2006/main" xmlns:r="http://schemas.openxmlformats.org/officeDocument/2006/relationships" xmlns:p="http://schemas.openxmlformats.org/presentationml/2006/main">
   <p:cSld>
     <p:spTree>
@@ -5618,7 +6822,7 @@
 </p:sld>
 </file>
 
-<file path=ppt/slides/slide13.xml><?xml version="1.0" encoding="utf-8"?>
+<file path=ppt/slides/slide14.xml><?xml version="1.0" encoding="utf-8"?>
 <p:sld xmlns:a="http://schemas.openxmlformats.org/drawingml/2006/main" xmlns:r="http://schemas.openxmlformats.org/officeDocument/2006/relationships" xmlns:p="http://schemas.openxmlformats.org/presentationml/2006/main">
   <p:cSld>
     <p:spTree>
@@ -6861,14 +8065,14 @@
           <p:nvPr>
             <p:extLst>
               <p:ext uri="{D42A27DB-BD31-4B8C-83A1-F6EECF244321}">
-                <p14:modId xmlns:p14="http://schemas.microsoft.com/office/powerpoint/2010/main" val="3793999431"/>
+                <p14:modId xmlns:p14="http://schemas.microsoft.com/office/powerpoint/2010/main" val="300339836"/>
               </p:ext>
             </p:extLst>
           </p:nvPr>
         </p:nvGraphicFramePr>
         <p:xfrm>
           <a:off x="324906" y="935722"/>
-          <a:ext cx="11514671" cy="5056345"/>
+          <a:ext cx="11514671" cy="4949665"/>
         </p:xfrm>
         <a:graphic>
           <a:graphicData uri="http://schemas.openxmlformats.org/drawingml/2006/table">
@@ -7054,10 +8258,10 @@
                     <a:p>
                       <a:pPr algn="ctr" latinLnBrk="1"/>
                       <a:r>
-                        <a:rPr lang="en-US" altLang="ko-KR" sz="1400" dirty="0"/>
+                        <a:rPr lang="en-US" altLang="ko-KR" sz="1300" dirty="0"/>
                         <a:t>I forget to take my medication, once. </a:t>
                       </a:r>
-                      <a:endParaRPr lang="ko-KR" altLang="en-US" sz="1400" dirty="0"/>
+                      <a:endParaRPr lang="ko-KR" altLang="en-US" sz="1300" dirty="0"/>
                     </a:p>
                   </a:txBody>
                   <a:tcPr anchor="ctr"/>
@@ -7069,10 +8273,10 @@
                     <a:p>
                       <a:pPr algn="ctr" latinLnBrk="1"/>
                       <a:r>
-                        <a:rPr lang="en-US" altLang="ko-KR" sz="1400" dirty="0"/>
+                        <a:rPr lang="en-US" altLang="ko-KR" sz="1300" dirty="0"/>
                         <a:t>7</a:t>
                       </a:r>
-                      <a:endParaRPr lang="ko-KR" altLang="en-US" sz="1400" dirty="0"/>
+                      <a:endParaRPr lang="ko-KR" altLang="en-US" sz="1300" dirty="0"/>
                     </a:p>
                   </a:txBody>
                   <a:tcPr anchor="ctr"/>
@@ -7084,17 +8288,17 @@
                     <a:p>
                       <a:pPr algn="ctr" latinLnBrk="1"/>
                       <a:r>
-                        <a:rPr lang="en-US" altLang="ko-KR" sz="1400" dirty="0"/>
+                        <a:rPr lang="en-US" altLang="ko-KR" sz="1300" dirty="0"/>
                         <a:t>Sad,</a:t>
                       </a:r>
                     </a:p>
                     <a:p>
                       <a:pPr algn="ctr" latinLnBrk="1"/>
                       <a:r>
-                        <a:rPr lang="en-US" altLang="ko-KR" sz="1400" dirty="0"/>
+                        <a:rPr lang="en-US" altLang="ko-KR" sz="1300" dirty="0"/>
                         <a:t>Frustrated</a:t>
                       </a:r>
-                      <a:endParaRPr lang="ko-KR" altLang="en-US" sz="1400" dirty="0"/>
+                      <a:endParaRPr lang="ko-KR" altLang="en-US" sz="1300" dirty="0"/>
                     </a:p>
                   </a:txBody>
                   <a:tcPr anchor="ctr"/>
@@ -7106,10 +8310,10 @@
                     <a:p>
                       <a:pPr algn="ctr" latinLnBrk="1"/>
                       <a:r>
-                        <a:rPr lang="en-US" altLang="ko-KR" sz="1400" dirty="0"/>
+                        <a:rPr lang="en-US" altLang="ko-KR" sz="1300" dirty="0"/>
                         <a:t>I’m sure I must have Alzheimer’s disease.</a:t>
                       </a:r>
-                      <a:endParaRPr lang="ko-KR" altLang="en-US" sz="1400" dirty="0"/>
+                      <a:endParaRPr lang="ko-KR" altLang="en-US" sz="1300" dirty="0"/>
                     </a:p>
                   </a:txBody>
                   <a:tcPr anchor="ctr"/>
@@ -7121,10 +8325,10 @@
                     <a:p>
                       <a:pPr algn="ctr" latinLnBrk="1"/>
                       <a:r>
-                        <a:rPr lang="en-US" altLang="ko-KR" sz="1400" dirty="0"/>
+                        <a:rPr lang="en-US" altLang="ko-KR" sz="1300" dirty="0"/>
                         <a:t>Overgeneralization</a:t>
                       </a:r>
-                      <a:endParaRPr lang="ko-KR" altLang="en-US" sz="1400" dirty="0"/>
+                      <a:endParaRPr lang="ko-KR" altLang="en-US" sz="1300" dirty="0"/>
                     </a:p>
                   </a:txBody>
                   <a:tcPr anchor="ctr"/>
@@ -7136,10 +8340,10 @@
                     <a:p>
                       <a:pPr algn="ctr" latinLnBrk="1"/>
                       <a:r>
-                        <a:rPr lang="en-US" altLang="ko-KR" sz="1400" dirty="0"/>
+                        <a:rPr lang="en-US" altLang="ko-KR" sz="1300" dirty="0"/>
                         <a:t>Taking my medication only once doesn’t mean I have Alzheimer’s disease.</a:t>
                       </a:r>
-                      <a:endParaRPr lang="ko-KR" altLang="en-US" sz="1400" dirty="0"/>
+                      <a:endParaRPr lang="ko-KR" altLang="en-US" sz="1300" dirty="0"/>
                     </a:p>
                   </a:txBody>
                   <a:tcPr anchor="ctr"/>
@@ -7151,10 +8355,10 @@
                     <a:p>
                       <a:pPr algn="ctr" latinLnBrk="1"/>
                       <a:r>
-                        <a:rPr lang="en-US" altLang="ko-KR" sz="1400" dirty="0"/>
+                        <a:rPr lang="en-US" altLang="ko-KR" sz="1300" dirty="0"/>
                         <a:t>I gained more self-efficacy in managing diabetes.</a:t>
                       </a:r>
-                      <a:endParaRPr lang="ko-KR" altLang="en-US" sz="1400" dirty="0"/>
+                      <a:endParaRPr lang="ko-KR" altLang="en-US" sz="1300" dirty="0"/>
                     </a:p>
                   </a:txBody>
                   <a:tcPr anchor="ctr"/>
@@ -7173,10 +8377,10 @@
                     <a:p>
                       <a:pPr algn="ctr" latinLnBrk="1"/>
                       <a:r>
-                        <a:rPr lang="en-US" altLang="ko-KR" sz="1400" dirty="0"/>
+                        <a:rPr lang="en-US" altLang="ko-KR" sz="1300" dirty="0"/>
                         <a:t>My blood glucose after dinner was over 200mg/dL.</a:t>
                       </a:r>
-                      <a:endParaRPr lang="ko-KR" altLang="en-US" sz="1400" dirty="0"/>
+                      <a:endParaRPr lang="ko-KR" altLang="en-US" sz="1300" dirty="0"/>
                     </a:p>
                   </a:txBody>
                   <a:tcPr anchor="ctr"/>
@@ -7188,10 +8392,10 @@
                     <a:p>
                       <a:pPr algn="ctr" latinLnBrk="1"/>
                       <a:r>
-                        <a:rPr lang="en-US" altLang="ko-KR" sz="1400" dirty="0"/>
+                        <a:rPr lang="en-US" altLang="ko-KR" sz="1300" dirty="0"/>
                         <a:t>9</a:t>
                       </a:r>
-                      <a:endParaRPr lang="ko-KR" altLang="en-US" sz="1400" dirty="0"/>
+                      <a:endParaRPr lang="ko-KR" altLang="en-US" sz="1300" dirty="0"/>
                     </a:p>
                   </a:txBody>
                   <a:tcPr anchor="ctr"/>
@@ -7203,7 +8407,7 @@
                     <a:p>
                       <a:pPr algn="ctr" latinLnBrk="1"/>
                       <a:r>
-                        <a:rPr lang="en-US" altLang="ko-KR" sz="1400" dirty="0"/>
+                        <a:rPr lang="en-US" altLang="ko-KR" sz="1300" dirty="0"/>
                         <a:t>Worry</a:t>
                       </a:r>
                     </a:p>
@@ -7217,10 +8421,10 @@
                     <a:p>
                       <a:pPr algn="ctr" latinLnBrk="1"/>
                       <a:r>
-                        <a:rPr lang="en-US" altLang="ko-KR" sz="1400" dirty="0"/>
+                        <a:rPr lang="en-US" altLang="ko-KR" sz="1300" dirty="0"/>
                         <a:t>I am not in control of my diabetes.</a:t>
                       </a:r>
-                      <a:endParaRPr lang="ko-KR" altLang="en-US" sz="1400" dirty="0"/>
+                      <a:endParaRPr lang="ko-KR" altLang="en-US" sz="1300" dirty="0"/>
                     </a:p>
                   </a:txBody>
                   <a:tcPr anchor="ctr"/>
@@ -7232,10 +8436,10 @@
                     <a:p>
                       <a:pPr algn="ctr" latinLnBrk="1"/>
                       <a:r>
-                        <a:rPr lang="en-US" altLang="ko-KR" sz="1400" dirty="0"/>
+                        <a:rPr lang="en-US" altLang="ko-KR" sz="1300" dirty="0"/>
                         <a:t>Mental filter</a:t>
                       </a:r>
-                      <a:endParaRPr lang="ko-KR" altLang="en-US" sz="1400" dirty="0"/>
+                      <a:endParaRPr lang="ko-KR" altLang="en-US" sz="1300" dirty="0"/>
                     </a:p>
                   </a:txBody>
                   <a:tcPr anchor="ctr"/>
@@ -7247,10 +8451,18 @@
                     <a:p>
                       <a:pPr algn="ctr" latinLnBrk="1"/>
                       <a:r>
-                        <a:rPr lang="en-US" altLang="ko-KR" sz="1400" dirty="0"/>
-                        <a:t>In general, I’m able to keep my blood glucose within my target range after dinner, and my A1C stays below 7,0%.</a:t>
+                        <a:rPr lang="en-US" altLang="ko-KR" sz="1300" dirty="0"/>
+                        <a:t>In general, I’m able to keep my blood glucose within my target range after dinner, and my A1C stays </a:t>
                       </a:r>
-                      <a:endParaRPr lang="ko-KR" altLang="en-US" sz="1400" dirty="0"/>
+                      <a:r>
+                        <a:rPr lang="en-US" altLang="ko-KR" sz="1300"/>
+                        <a:t>below 70</a:t>
+                      </a:r>
+                      <a:r>
+                        <a:rPr lang="en-US" altLang="ko-KR" sz="1300" dirty="0"/>
+                        <a:t>%.</a:t>
+                      </a:r>
+                      <a:endParaRPr lang="ko-KR" altLang="en-US" sz="1300" dirty="0"/>
                     </a:p>
                   </a:txBody>
                   <a:tcPr anchor="ctr"/>
@@ -7262,10 +8474,10 @@
                     <a:p>
                       <a:pPr algn="ctr" latinLnBrk="1"/>
                       <a:r>
-                        <a:rPr lang="en-US" altLang="ko-KR" sz="1400" dirty="0"/>
+                        <a:rPr lang="en-US" altLang="ko-KR" sz="1300" dirty="0"/>
                         <a:t>I am in control of my diabetes.</a:t>
                       </a:r>
-                      <a:endParaRPr lang="ko-KR" altLang="en-US" sz="1400" dirty="0"/>
+                      <a:endParaRPr lang="ko-KR" altLang="en-US" sz="1300" dirty="0"/>
                     </a:p>
                   </a:txBody>
                   <a:tcPr anchor="ctr"/>
@@ -8288,8 +9500,8 @@
         </p:nvSpPr>
         <p:spPr>
           <a:xfrm>
-            <a:off x="1184365" y="368300"/>
-            <a:ext cx="9636036" cy="6121400"/>
+            <a:off x="1184365" y="836022"/>
+            <a:ext cx="9636036" cy="5653677"/>
           </a:xfrm>
           <a:prstGeom prst="rect">
             <a:avLst/>
@@ -8334,7 +9546,7 @@
         </p:nvSpPr>
         <p:spPr>
           <a:xfrm>
-            <a:off x="1921912" y="1260565"/>
+            <a:off x="1921912" y="1539241"/>
             <a:ext cx="3585318" cy="4336869"/>
           </a:xfrm>
           <a:prstGeom prst="rect">
@@ -8378,7 +9590,7 @@
         </p:nvSpPr>
         <p:spPr>
           <a:xfrm>
-            <a:off x="6684770" y="1260565"/>
+            <a:off x="6684770" y="1539241"/>
             <a:ext cx="3585318" cy="4336869"/>
           </a:xfrm>
           <a:prstGeom prst="rect">
@@ -8422,7 +9634,7 @@
         </p:nvSpPr>
         <p:spPr>
           <a:xfrm>
-            <a:off x="2173148" y="1564640"/>
+            <a:off x="2173148" y="1843316"/>
             <a:ext cx="3083937" cy="1107996"/>
           </a:xfrm>
           <a:prstGeom prst="rect">
@@ -8459,7 +9671,7 @@
         </p:nvSpPr>
         <p:spPr>
           <a:xfrm>
-            <a:off x="6935461" y="1564640"/>
+            <a:off x="6935461" y="1843316"/>
             <a:ext cx="3083937" cy="430887"/>
           </a:xfrm>
           <a:prstGeom prst="rect">
@@ -8496,7 +9708,7 @@
         </p:nvSpPr>
         <p:spPr>
           <a:xfrm>
-            <a:off x="2233315" y="2574623"/>
+            <a:off x="2233315" y="2853299"/>
             <a:ext cx="2963603" cy="1754326"/>
           </a:xfrm>
           <a:prstGeom prst="rect">
@@ -8558,7 +9770,7 @@
         </p:nvSpPr>
         <p:spPr>
           <a:xfrm>
-            <a:off x="7048605" y="2574623"/>
+            <a:off x="7048605" y="2853299"/>
             <a:ext cx="2963603" cy="1200329"/>
           </a:xfrm>
           <a:prstGeom prst="rect">
